--- a/Metis_project_3_presentation.pptx
+++ b/Metis_project_3_presentation.pptx
@@ -500,7 +500,7 @@
             <a:fld id="{E637BB6B-EE1B-48FB-8575-0D55C373DE88}" type="datetimeFigureOut">
               <a:rPr lang="en-US" smtClean="0"/>
               <a:pPr eaLnBrk="1" latinLnBrk="0" hangingPunct="1"/>
-              <a:t>7/22/21</a:t>
+              <a:t>7/23/21</a:t>
             </a:fld>
             <a:endParaRPr lang="en-US"/>
           </a:p>
@@ -668,7 +668,7 @@
             <a:fld id="{E637BB6B-EE1B-48FB-8575-0D55C373DE88}" type="datetimeFigureOut">
               <a:rPr lang="en-US" smtClean="0"/>
               <a:pPr eaLnBrk="1" latinLnBrk="0" hangingPunct="1"/>
-              <a:t>7/22/21</a:t>
+              <a:t>7/23/21</a:t>
             </a:fld>
             <a:endParaRPr lang="en-US" dirty="0"/>
           </a:p>
@@ -846,7 +846,7 @@
             <a:fld id="{E637BB6B-EE1B-48FB-8575-0D55C373DE88}" type="datetimeFigureOut">
               <a:rPr lang="en-US" smtClean="0"/>
               <a:pPr eaLnBrk="1" latinLnBrk="0" hangingPunct="1"/>
-              <a:t>7/22/21</a:t>
+              <a:t>7/23/21</a:t>
             </a:fld>
             <a:endParaRPr lang="en-US"/>
           </a:p>
@@ -1018,7 +1018,7 @@
             <a:fld id="{E637BB6B-EE1B-48FB-8575-0D55C373DE88}" type="datetimeFigureOut">
               <a:rPr lang="en-US" smtClean="0"/>
               <a:pPr eaLnBrk="1" latinLnBrk="0" hangingPunct="1"/>
-              <a:t>7/22/21</a:t>
+              <a:t>7/23/21</a:t>
             </a:fld>
             <a:endParaRPr lang="en-US"/>
           </a:p>
@@ -1476,7 +1476,7 @@
             <a:fld id="{E637BB6B-EE1B-48FB-8575-0D55C373DE88}" type="datetimeFigureOut">
               <a:rPr lang="en-US" smtClean="0"/>
               <a:pPr eaLnBrk="1" latinLnBrk="0" hangingPunct="1"/>
-              <a:t>7/22/21</a:t>
+              <a:t>7/23/21</a:t>
             </a:fld>
             <a:endParaRPr lang="en-US"/>
           </a:p>
@@ -1743,7 +1743,7 @@
             <a:fld id="{E637BB6B-EE1B-48FB-8575-0D55C373DE88}" type="datetimeFigureOut">
               <a:rPr lang="en-US" smtClean="0"/>
               <a:pPr eaLnBrk="1" latinLnBrk="0" hangingPunct="1"/>
-              <a:t>7/22/21</a:t>
+              <a:t>7/23/21</a:t>
             </a:fld>
             <a:endParaRPr lang="en-US"/>
           </a:p>
@@ -2120,7 +2120,7 @@
             <a:fld id="{E637BB6B-EE1B-48FB-8575-0D55C373DE88}" type="datetimeFigureOut">
               <a:rPr lang="en-US" smtClean="0"/>
               <a:pPr eaLnBrk="1" latinLnBrk="0" hangingPunct="1"/>
-              <a:t>7/22/21</a:t>
+              <a:t>7/23/21</a:t>
             </a:fld>
             <a:endParaRPr lang="en-US"/>
           </a:p>
@@ -2245,7 +2245,7 @@
             <a:fld id="{E637BB6B-EE1B-48FB-8575-0D55C373DE88}" type="datetimeFigureOut">
               <a:rPr lang="en-US" smtClean="0"/>
               <a:pPr eaLnBrk="1" latinLnBrk="0" hangingPunct="1"/>
-              <a:t>7/22/21</a:t>
+              <a:t>7/23/21</a:t>
             </a:fld>
             <a:endParaRPr lang="en-US"/>
           </a:p>
@@ -2338,7 +2338,7 @@
             <a:fld id="{E637BB6B-EE1B-48FB-8575-0D55C373DE88}" type="datetimeFigureOut">
               <a:rPr lang="en-US" smtClean="0"/>
               <a:pPr eaLnBrk="1" latinLnBrk="0" hangingPunct="1"/>
-              <a:t>7/22/21</a:t>
+              <a:t>7/23/21</a:t>
             </a:fld>
             <a:endParaRPr lang="en-US"/>
           </a:p>
@@ -2590,7 +2590,7 @@
             <a:fld id="{E637BB6B-EE1B-48FB-8575-0D55C373DE88}" type="datetimeFigureOut">
               <a:rPr lang="en-US" smtClean="0"/>
               <a:pPr eaLnBrk="1" latinLnBrk="0" hangingPunct="1"/>
-              <a:t>7/22/21</a:t>
+              <a:t>7/23/21</a:t>
             </a:fld>
             <a:endParaRPr lang="en-US"/>
           </a:p>
@@ -2852,7 +2852,7 @@
             <a:fld id="{E637BB6B-EE1B-48FB-8575-0D55C373DE88}" type="datetimeFigureOut">
               <a:rPr lang="en-US" smtClean="0"/>
               <a:pPr eaLnBrk="1" latinLnBrk="0" hangingPunct="1"/>
-              <a:t>7/22/21</a:t>
+              <a:t>7/23/21</a:t>
             </a:fld>
             <a:endParaRPr lang="en-US"/>
           </a:p>
@@ -3259,7 +3259,7 @@
             <a:fld id="{E637BB6B-EE1B-48FB-8575-0D55C373DE88}" type="datetimeFigureOut">
               <a:rPr lang="en-US" smtClean="0"/>
               <a:pPr eaLnBrk="1" latinLnBrk="0" hangingPunct="1"/>
-              <a:t>7/22/21</a:t>
+              <a:t>7/23/21</a:t>
             </a:fld>
             <a:endParaRPr lang="en-US" sz="1000">
               <a:solidFill>
@@ -3988,6 +3988,13 @@
   <p:clrMapOvr>
     <a:masterClrMapping/>
   </p:clrMapOvr>
+  <p:timing>
+    <p:tnLst>
+      <p:par>
+        <p:cTn xmlns:p14="http://schemas.microsoft.com/office/powerpoint/2010/main" id="1" dur="indefinite" restart="never" nodeType="tmRoot"/>
+      </p:par>
+    </p:tnLst>
+  </p:timing>
 </p:sld>
 </file>
 
@@ -4394,8 +4401,8 @@
         </p:blipFill>
         <p:spPr>
           <a:xfrm>
-            <a:off x="457200" y="934464"/>
-            <a:ext cx="4698888" cy="2847902"/>
+            <a:off x="457199" y="934464"/>
+            <a:ext cx="4640189" cy="2847902"/>
           </a:xfrm>
         </p:spPr>
       </p:pic>
@@ -4610,7 +4617,7 @@
       </p:sp>
       <p:pic>
         <p:nvPicPr>
-          <p:cNvPr id="9" name="Picture 8" descr="Screen Shot 2021-07-23 at 2.51.40 AM.png"/>
+          <p:cNvPr id="4" name="Picture 3" descr="Screen Shot 2021-07-23 at 8.43.26 AM.png"/>
           <p:cNvPicPr>
             <a:picLocks noChangeAspect="1"/>
           </p:cNvPicPr>
@@ -4630,8 +4637,38 @@
         </p:blipFill>
         <p:spPr>
           <a:xfrm>
-            <a:off x="1410271" y="2489081"/>
-            <a:ext cx="5508743" cy="3446727"/>
+            <a:off x="0" y="2755989"/>
+            <a:ext cx="4217825" cy="2547052"/>
+          </a:xfrm>
+          <a:prstGeom prst="rect">
+            <a:avLst/>
+          </a:prstGeom>
+        </p:spPr>
+      </p:pic>
+      <p:pic>
+        <p:nvPicPr>
+          <p:cNvPr id="5" name="Picture 4" descr="Screen Shot 2021-07-23 at 8.43.06 AM.png"/>
+          <p:cNvPicPr>
+            <a:picLocks noChangeAspect="1"/>
+          </p:cNvPicPr>
+          <p:nvPr/>
+        </p:nvPicPr>
+        <p:blipFill>
+          <a:blip r:embed="rId3">
+            <a:extLst>
+              <a:ext uri="{28A0092B-C50C-407E-A947-70E740481C1C}">
+                <a14:useLocalDpi xmlns:a14="http://schemas.microsoft.com/office/drawing/2010/main" val="0"/>
+              </a:ext>
+            </a:extLst>
+          </a:blip>
+          <a:stretch>
+            <a:fillRect/>
+          </a:stretch>
+        </p:blipFill>
+        <p:spPr>
+          <a:xfrm>
+            <a:off x="4495631" y="2755989"/>
+            <a:ext cx="4344314" cy="2601879"/>
           </a:xfrm>
           <a:prstGeom prst="rect">
             <a:avLst/>
@@ -4648,6 +4685,13 @@
   <p:clrMapOvr>
     <a:masterClrMapping/>
   </p:clrMapOvr>
+  <p:timing>
+    <p:tnLst>
+      <p:par>
+        <p:cTn xmlns:p14="http://schemas.microsoft.com/office/powerpoint/2010/main" id="1" dur="indefinite" restart="never" nodeType="tmRoot"/>
+      </p:par>
+    </p:tnLst>
+  </p:timing>
 </p:sld>
 </file>
 
@@ -4739,6 +4783,13 @@
   <p:clrMapOvr>
     <a:masterClrMapping/>
   </p:clrMapOvr>
+  <p:timing>
+    <p:tnLst>
+      <p:par>
+        <p:cTn xmlns:p14="http://schemas.microsoft.com/office/powerpoint/2010/main" id="1" dur="indefinite" restart="never" nodeType="tmRoot"/>
+      </p:par>
+    </p:tnLst>
+  </p:timing>
 </p:sld>
 </file>
 
@@ -4925,6 +4976,13 @@
   <p:clrMapOvr>
     <a:masterClrMapping/>
   </p:clrMapOvr>
+  <p:timing>
+    <p:tnLst>
+      <p:par>
+        <p:cTn xmlns:p14="http://schemas.microsoft.com/office/powerpoint/2010/main" id="1" dur="indefinite" restart="never" nodeType="tmRoot"/>
+      </p:par>
+    </p:tnLst>
+  </p:timing>
 </p:sld>
 </file>
 
@@ -5019,6 +5077,13 @@
   <p:clrMapOvr>
     <a:masterClrMapping/>
   </p:clrMapOvr>
+  <p:timing>
+    <p:tnLst>
+      <p:par>
+        <p:cTn xmlns:p14="http://schemas.microsoft.com/office/powerpoint/2010/main" id="1" dur="indefinite" restart="never" nodeType="tmRoot"/>
+      </p:par>
+    </p:tnLst>
+  </p:timing>
 </p:sld>
 </file>
 
